--- a/Practicum/Week_3/Presentatie/Presentatie_week_3.pptx
+++ b/Practicum/Week_3/Presentatie/Presentatie_week_3.pptx
@@ -7,9 +7,10 @@
   <p:sldIdLst>
     <p:sldId id="256" r:id="rId2"/>
     <p:sldId id="257" r:id="rId3"/>
-    <p:sldId id="258" r:id="rId4"/>
-    <p:sldId id="259" r:id="rId5"/>
-    <p:sldId id="260" r:id="rId6"/>
+    <p:sldId id="261" r:id="rId4"/>
+    <p:sldId id="258" r:id="rId5"/>
+    <p:sldId id="259" r:id="rId6"/>
+    <p:sldId id="260" r:id="rId7"/>
   </p:sldIdLst>
   <p:sldSz cx="12192000" cy="6858000"/>
   <p:notesSz cx="6858000" cy="9144000"/>
@@ -108,6 +109,11 @@
       </a:defRPr>
     </a:lvl9pPr>
   </p:defaultTextStyle>
+  <p:extLst>
+    <p:ext uri="{EFAFB233-063F-42B5-8137-9DF3F51BA10A}">
+      <p15:sldGuideLst xmlns:p15="http://schemas.microsoft.com/office/powerpoint/2012/main"/>
+    </p:ext>
+  </p:extLst>
 </p:presentation>
 </file>
 
@@ -834,7 +840,7 @@
             <a:fld id="{B61BEF0D-F0BB-DE4B-95CE-6DB70DBA9567}" type="datetimeFigureOut">
               <a:rPr lang="en-US" dirty="0"/>
               <a:pPr/>
-              <a:t>11/27/2016</a:t>
+              <a:t>11/28/2016</a:t>
             </a:fld>
             <a:endParaRPr lang="en-US" dirty="0"/>
           </a:p>
@@ -1082,7 +1088,7 @@
             <a:fld id="{B61BEF0D-F0BB-DE4B-95CE-6DB70DBA9567}" type="datetimeFigureOut">
               <a:rPr lang="en-US" dirty="0"/>
               <a:pPr/>
-              <a:t>11/27/2016</a:t>
+              <a:t>11/28/2016</a:t>
             </a:fld>
             <a:endParaRPr lang="en-US" dirty="0"/>
           </a:p>
@@ -1393,7 +1399,7 @@
             <a:fld id="{B61BEF0D-F0BB-DE4B-95CE-6DB70DBA9567}" type="datetimeFigureOut">
               <a:rPr lang="en-US" dirty="0"/>
               <a:pPr/>
-              <a:t>11/27/2016</a:t>
+              <a:t>11/28/2016</a:t>
             </a:fld>
             <a:endParaRPr lang="en-US" dirty="0"/>
           </a:p>
@@ -1731,7 +1737,7 @@
             <a:fld id="{B61BEF0D-F0BB-DE4B-95CE-6DB70DBA9567}" type="datetimeFigureOut">
               <a:rPr lang="en-US" dirty="0"/>
               <a:pPr/>
-              <a:t>11/27/2016</a:t>
+              <a:t>11/28/2016</a:t>
             </a:fld>
             <a:endParaRPr lang="en-US" dirty="0"/>
           </a:p>
@@ -2042,7 +2048,7 @@
             <a:fld id="{B61BEF0D-F0BB-DE4B-95CE-6DB70DBA9567}" type="datetimeFigureOut">
               <a:rPr lang="en-US" dirty="0"/>
               <a:pPr/>
-              <a:t>11/27/2016</a:t>
+              <a:t>11/28/2016</a:t>
             </a:fld>
             <a:endParaRPr lang="en-US" dirty="0"/>
           </a:p>
@@ -2432,7 +2438,7 @@
             <a:fld id="{B61BEF0D-F0BB-DE4B-95CE-6DB70DBA9567}" type="datetimeFigureOut">
               <a:rPr lang="en-US" dirty="0"/>
               <a:pPr/>
-              <a:t>11/27/2016</a:t>
+              <a:t>11/28/2016</a:t>
             </a:fld>
             <a:endParaRPr lang="en-US" dirty="0"/>
           </a:p>
@@ -2598,7 +2604,7 @@
           <a:p>
             <a:fld id="{55C6B4A9-1611-4792-9094-5F34BCA07E0B}" type="datetimeFigureOut">
               <a:rPr lang="en-US" dirty="0"/>
-              <a:t>11/27/2016</a:t>
+              <a:t>11/28/2016</a:t>
             </a:fld>
             <a:endParaRPr lang="en-US" dirty="0"/>
           </a:p>
@@ -2774,7 +2780,7 @@
             <a:fld id="{B61BEF0D-F0BB-DE4B-95CE-6DB70DBA9567}" type="datetimeFigureOut">
               <a:rPr lang="en-US" dirty="0"/>
               <a:pPr/>
-              <a:t>11/27/2016</a:t>
+              <a:t>11/28/2016</a:t>
             </a:fld>
             <a:endParaRPr lang="en-US" dirty="0"/>
           </a:p>
@@ -2947,7 +2953,7 @@
             <a:fld id="{B61BEF0D-F0BB-DE4B-95CE-6DB70DBA9567}" type="datetimeFigureOut">
               <a:rPr lang="en-US" dirty="0"/>
               <a:pPr/>
-              <a:t>11/27/2016</a:t>
+              <a:t>11/28/2016</a:t>
             </a:fld>
             <a:endParaRPr lang="en-US" dirty="0"/>
           </a:p>
@@ -3191,7 +3197,7 @@
             <a:fld id="{B61BEF0D-F0BB-DE4B-95CE-6DB70DBA9567}" type="datetimeFigureOut">
               <a:rPr lang="en-US" dirty="0"/>
               <a:pPr/>
-              <a:t>11/27/2016</a:t>
+              <a:t>11/28/2016</a:t>
             </a:fld>
             <a:endParaRPr lang="en-US" dirty="0"/>
           </a:p>
@@ -3419,7 +3425,7 @@
           <a:p>
             <a:fld id="{EB712588-04B1-427B-82EE-E8DB90309F08}" type="datetimeFigureOut">
               <a:rPr lang="en-US" dirty="0"/>
-              <a:t>11/27/2016</a:t>
+              <a:t>11/28/2016</a:t>
             </a:fld>
             <a:endParaRPr lang="en-US" dirty="0"/>
           </a:p>
@@ -3789,7 +3795,7 @@
             <a:fld id="{B61BEF0D-F0BB-DE4B-95CE-6DB70DBA9567}" type="datetimeFigureOut">
               <a:rPr lang="en-US" dirty="0"/>
               <a:pPr/>
-              <a:t>11/27/2016</a:t>
+              <a:t>11/28/2016</a:t>
             </a:fld>
             <a:endParaRPr lang="en-US" dirty="0"/>
           </a:p>
@@ -3909,7 +3915,7 @@
             <a:fld id="{B61BEF0D-F0BB-DE4B-95CE-6DB70DBA9567}" type="datetimeFigureOut">
               <a:rPr lang="en-US" dirty="0"/>
               <a:pPr/>
-              <a:t>11/27/2016</a:t>
+              <a:t>11/28/2016</a:t>
             </a:fld>
             <a:endParaRPr lang="en-US" dirty="0"/>
           </a:p>
@@ -4001,7 +4007,7 @@
             <a:fld id="{B61BEF0D-F0BB-DE4B-95CE-6DB70DBA9567}" type="datetimeFigureOut">
               <a:rPr lang="en-US" dirty="0"/>
               <a:pPr/>
-              <a:t>11/27/2016</a:t>
+              <a:t>11/28/2016</a:t>
             </a:fld>
             <a:endParaRPr lang="en-US" dirty="0"/>
           </a:p>
@@ -4252,7 +4258,7 @@
           <a:p>
             <a:fld id="{42A54C80-263E-416B-A8E0-580EDEADCBDC}" type="datetimeFigureOut">
               <a:rPr lang="en-US" dirty="0"/>
-              <a:t>11/27/2016</a:t>
+              <a:t>11/28/2016</a:t>
             </a:fld>
             <a:endParaRPr lang="en-US" dirty="0"/>
           </a:p>
@@ -4511,7 +4517,7 @@
             <a:fld id="{B61BEF0D-F0BB-DE4B-95CE-6DB70DBA9567}" type="datetimeFigureOut">
               <a:rPr lang="en-US" dirty="0"/>
               <a:pPr/>
-              <a:t>11/27/2016</a:t>
+              <a:t>11/28/2016</a:t>
             </a:fld>
             <a:endParaRPr lang="en-US" dirty="0"/>
           </a:p>
@@ -5251,7 +5257,7 @@
             <a:fld id="{B61BEF0D-F0BB-DE4B-95CE-6DB70DBA9567}" type="datetimeFigureOut">
               <a:rPr lang="en-US" dirty="0"/>
               <a:pPr/>
-              <a:t>11/27/2016</a:t>
+              <a:t>11/28/2016</a:t>
             </a:fld>
             <a:endParaRPr lang="en-US" dirty="0"/>
           </a:p>
@@ -5890,18 +5896,6 @@
           <a:p>
             <a:r>
               <a:rPr lang="nl-NL" dirty="0"/>
-              <a:t>Winkel</a:t>
-            </a:r>
-          </a:p>
-          <a:p>
-            <a:r>
-              <a:rPr lang="nl-NL" dirty="0"/>
-              <a:t>Verkooptechniek</a:t>
-            </a:r>
-          </a:p>
-          <a:p>
-            <a:r>
-              <a:rPr lang="nl-NL" dirty="0"/>
               <a:t>Doel</a:t>
             </a:r>
           </a:p>
@@ -5974,102 +5968,41 @@
           <a:p>
             <a:r>
               <a:rPr lang="nl-NL" dirty="0"/>
+              <a:t>Inhoud </a:t>
+            </a:r>
+          </a:p>
+        </p:txBody>
+      </p:sp>
+      <p:sp>
+        <p:nvSpPr>
+          <p:cNvPr id="3" name="Tijdelijke aanduiding voor inhoud 2"/>
+          <p:cNvSpPr>
+            <a:spLocks noGrp="1"/>
+          </p:cNvSpPr>
+          <p:nvPr>
+            <p:ph idx="1"/>
+          </p:nvPr>
+        </p:nvSpPr>
+        <p:spPr/>
+        <p:txBody>
+          <a:bodyPr/>
+          <a:lstStyle/>
+          <a:p>
+            <a:r>
+              <a:rPr lang="nl-NL" dirty="0"/>
               <a:t>Opening</a:t>
             </a:r>
           </a:p>
-        </p:txBody>
-      </p:sp>
-      <p:sp>
-        <p:nvSpPr>
-          <p:cNvPr id="3" name="Tijdelijke aanduiding voor inhoud 2"/>
-          <p:cNvSpPr>
-            <a:spLocks noGrp="1"/>
-          </p:cNvSpPr>
-          <p:nvPr>
-            <p:ph idx="1"/>
-          </p:nvPr>
-        </p:nvSpPr>
-        <p:spPr>
-          <a:xfrm>
-            <a:off x="677334" y="2160589"/>
-            <a:ext cx="8596668" cy="4577095"/>
-          </a:xfrm>
-        </p:spPr>
-        <p:txBody>
-          <a:bodyPr>
-            <a:normAutofit/>
-          </a:bodyPr>
-          <a:lstStyle/>
           <a:p>
             <a:r>
               <a:rPr lang="nl-NL" dirty="0"/>
-              <a:t>Goede presentatie</a:t>
-            </a:r>
-          </a:p>
-          <a:p>
-            <a:pPr lvl="1"/>
+              <a:t>Afsluiting</a:t>
+            </a:r>
+          </a:p>
+          <a:p>
             <a:r>
               <a:rPr lang="nl-NL" dirty="0"/>
-              <a:t>Niet het belangrijkste</a:t>
-            </a:r>
-          </a:p>
-          <a:p>
-            <a:r>
-              <a:rPr lang="nl-NL" dirty="0"/>
-              <a:t>Naast informeren =&gt; Publiek motiveren</a:t>
-            </a:r>
-          </a:p>
-          <a:p>
-            <a:r>
-              <a:rPr lang="nl-NL" dirty="0"/>
-              <a:t>Betere aandacht =&gt; zelf publiek motiveren</a:t>
-            </a:r>
-          </a:p>
-          <a:p>
-            <a:r>
-              <a:rPr lang="nl-NL" dirty="0" err="1"/>
-              <a:t>Authenciteit</a:t>
-            </a:r>
-            <a:endParaRPr lang="nl-NL" dirty="0"/>
-          </a:p>
-          <a:p>
-            <a:r>
-              <a:rPr lang="nl-NL" dirty="0"/>
-              <a:t>2 soorten openingen:</a:t>
-            </a:r>
-          </a:p>
-          <a:p>
-            <a:pPr lvl="1"/>
-            <a:r>
-              <a:rPr lang="nl-NL" dirty="0"/>
-              <a:t>Indirect</a:t>
-            </a:r>
-          </a:p>
-          <a:p>
-            <a:pPr lvl="1"/>
-            <a:r>
-              <a:rPr lang="nl-NL" dirty="0"/>
-              <a:t>Direct</a:t>
-            </a:r>
-          </a:p>
-          <a:p>
-            <a:r>
-              <a:rPr lang="nl-NL" dirty="0"/>
-              <a:t>Eisen:</a:t>
-            </a:r>
-          </a:p>
-          <a:p>
-            <a:pPr lvl="1"/>
-            <a:r>
-              <a:rPr lang="nl-NL" dirty="0"/>
-              <a:t>Functioneel</a:t>
-            </a:r>
-          </a:p>
-          <a:p>
-            <a:pPr lvl="1"/>
-            <a:r>
-              <a:rPr lang="nl-NL" dirty="0"/>
-              <a:t>Belevingswereld</a:t>
+              <a:t>Conclusie</a:t>
             </a:r>
           </a:p>
         </p:txBody>
@@ -6077,7 +6010,7 @@
     </p:spTree>
     <p:extLst>
       <p:ext uri="{BB962C8B-B14F-4D97-AF65-F5344CB8AC3E}">
-        <p14:creationId xmlns:p14="http://schemas.microsoft.com/office/powerpoint/2010/main" val="461804375"/>
+        <p14:creationId xmlns:p14="http://schemas.microsoft.com/office/powerpoint/2010/main" val="3323279801"/>
       </p:ext>
     </p:extLst>
   </p:cSld>
@@ -6121,6 +6054,153 @@
           <a:p>
             <a:r>
               <a:rPr lang="nl-NL" dirty="0"/>
+              <a:t>Opening</a:t>
+            </a:r>
+          </a:p>
+        </p:txBody>
+      </p:sp>
+      <p:sp>
+        <p:nvSpPr>
+          <p:cNvPr id="3" name="Tijdelijke aanduiding voor inhoud 2"/>
+          <p:cNvSpPr>
+            <a:spLocks noGrp="1"/>
+          </p:cNvSpPr>
+          <p:nvPr>
+            <p:ph idx="1"/>
+          </p:nvPr>
+        </p:nvSpPr>
+        <p:spPr>
+          <a:xfrm>
+            <a:off x="677334" y="2160589"/>
+            <a:ext cx="8596668" cy="4577095"/>
+          </a:xfrm>
+        </p:spPr>
+        <p:txBody>
+          <a:bodyPr>
+            <a:normAutofit/>
+          </a:bodyPr>
+          <a:lstStyle/>
+          <a:p>
+            <a:r>
+              <a:rPr lang="nl-NL" dirty="0"/>
+              <a:t>Goede presentatie</a:t>
+            </a:r>
+          </a:p>
+          <a:p>
+            <a:pPr lvl="1"/>
+            <a:r>
+              <a:rPr lang="nl-NL" dirty="0"/>
+              <a:t>Niet het belangrijkste</a:t>
+            </a:r>
+          </a:p>
+          <a:p>
+            <a:r>
+              <a:rPr lang="nl-NL" dirty="0"/>
+              <a:t>Naast informeren =&gt; Publiek motiveren</a:t>
+            </a:r>
+          </a:p>
+          <a:p>
+            <a:r>
+              <a:rPr lang="nl-NL" dirty="0"/>
+              <a:t>Betere aandacht =&gt; zelf publiek motiveren</a:t>
+            </a:r>
+          </a:p>
+          <a:p>
+            <a:r>
+              <a:rPr lang="nl-NL" dirty="0" err="1"/>
+              <a:t>Authenciteit</a:t>
+            </a:r>
+            <a:endParaRPr lang="nl-NL" dirty="0"/>
+          </a:p>
+          <a:p>
+            <a:r>
+              <a:rPr lang="nl-NL" dirty="0"/>
+              <a:t>2 soorten openingen:</a:t>
+            </a:r>
+          </a:p>
+          <a:p>
+            <a:pPr lvl="1"/>
+            <a:r>
+              <a:rPr lang="nl-NL" dirty="0"/>
+              <a:t>Indirect</a:t>
+            </a:r>
+          </a:p>
+          <a:p>
+            <a:pPr lvl="1"/>
+            <a:r>
+              <a:rPr lang="nl-NL" dirty="0"/>
+              <a:t>Direct</a:t>
+            </a:r>
+          </a:p>
+          <a:p>
+            <a:r>
+              <a:rPr lang="nl-NL" dirty="0"/>
+              <a:t>Eisen:</a:t>
+            </a:r>
+          </a:p>
+          <a:p>
+            <a:pPr lvl="1"/>
+            <a:r>
+              <a:rPr lang="nl-NL" dirty="0"/>
+              <a:t>Functioneel</a:t>
+            </a:r>
+          </a:p>
+          <a:p>
+            <a:pPr lvl="1"/>
+            <a:r>
+              <a:rPr lang="nl-NL" dirty="0"/>
+              <a:t>Belevingswereld</a:t>
+            </a:r>
+          </a:p>
+        </p:txBody>
+      </p:sp>
+    </p:spTree>
+    <p:extLst>
+      <p:ext uri="{BB962C8B-B14F-4D97-AF65-F5344CB8AC3E}">
+        <p14:creationId xmlns:p14="http://schemas.microsoft.com/office/powerpoint/2010/main" val="461804375"/>
+      </p:ext>
+    </p:extLst>
+  </p:cSld>
+  <p:clrMapOvr>
+    <a:masterClrMapping/>
+  </p:clrMapOvr>
+</p:sld>
+</file>
+
+<file path=ppt/slides/slide5.xml><?xml version="1.0" encoding="utf-8"?>
+<p:sld xmlns:a="http://schemas.openxmlformats.org/drawingml/2006/main" xmlns:r="http://schemas.openxmlformats.org/officeDocument/2006/relationships" xmlns:p="http://schemas.openxmlformats.org/presentationml/2006/main">
+  <p:cSld>
+    <p:spTree>
+      <p:nvGrpSpPr>
+        <p:cNvPr id="1" name=""/>
+        <p:cNvGrpSpPr/>
+        <p:nvPr/>
+      </p:nvGrpSpPr>
+      <p:grpSpPr>
+        <a:xfrm>
+          <a:off x="0" y="0"/>
+          <a:ext cx="0" cy="0"/>
+          <a:chOff x="0" y="0"/>
+          <a:chExt cx="0" cy="0"/>
+        </a:xfrm>
+      </p:grpSpPr>
+      <p:sp>
+        <p:nvSpPr>
+          <p:cNvPr id="2" name="Titel 1"/>
+          <p:cNvSpPr>
+            <a:spLocks noGrp="1"/>
+          </p:cNvSpPr>
+          <p:nvPr>
+            <p:ph type="title"/>
+          </p:nvPr>
+        </p:nvSpPr>
+        <p:spPr/>
+        <p:txBody>
+          <a:bodyPr/>
+          <a:lstStyle/>
+          <a:p>
+            <a:r>
+              <a:rPr lang="nl-NL" dirty="0"/>
               <a:t>Afsluiting</a:t>
             </a:r>
           </a:p>
@@ -6213,7 +6293,7 @@
 </p:sld>
 </file>
 
-<file path=ppt/slides/slide5.xml><?xml version="1.0" encoding="utf-8"?>
+<file path=ppt/slides/slide6.xml><?xml version="1.0" encoding="utf-8"?>
 <p:sld xmlns:a="http://schemas.openxmlformats.org/drawingml/2006/main" xmlns:r="http://schemas.openxmlformats.org/officeDocument/2006/relationships" xmlns:p="http://schemas.openxmlformats.org/presentationml/2006/main">
   <p:cSld>
     <p:spTree>
